--- a/2 etim ds 2022/História/Giovanni Boccaccio/GIOVANNI BOCCACCIO.pptx
+++ b/2 etim ds 2022/História/Giovanni Boccaccio/GIOVANNI BOCCACCIO.pptx
@@ -11,8 +11,7 @@
     <p:sldId id="259" r:id="rId5"/>
     <p:sldId id="260" r:id="rId6"/>
     <p:sldId id="261" r:id="rId7"/>
-    <p:sldId id="262" r:id="rId8"/>
-    <p:sldId id="263" r:id="rId9"/>
+    <p:sldId id="263" r:id="rId8"/>
   </p:sldIdLst>
   <p:sldSz cx="12192000" cy="6858000"/>
   <p:notesSz cx="6858000" cy="9144000"/>
@@ -111,6 +110,11 @@
       </a:defRPr>
     </a:lvl9pPr>
   </p:defaultTextStyle>
+  <p:extLst>
+    <p:ext uri="{EFAFB233-063F-42B5-8137-9DF3F51BA10A}">
+      <p15:sldGuideLst xmlns:p15="http://schemas.microsoft.com/office/powerpoint/2012/main"/>
+    </p:ext>
+  </p:extLst>
 </p:presentation>
 </file>
 
@@ -261,7 +265,7 @@
           <a:p>
             <a:fld id="{37B2672B-9859-4F38-AC3A-1FB9C2FC9E87}" type="datetimeFigureOut">
               <a:rPr lang="pt-BR" smtClean="0"/>
-              <a:t>13/02/2023</a:t>
+              <a:t>14/02/2023</a:t>
             </a:fld>
             <a:endParaRPr lang="pt-BR"/>
           </a:p>
@@ -459,7 +463,7 @@
           <a:p>
             <a:fld id="{37B2672B-9859-4F38-AC3A-1FB9C2FC9E87}" type="datetimeFigureOut">
               <a:rPr lang="pt-BR" smtClean="0"/>
-              <a:t>13/02/2023</a:t>
+              <a:t>14/02/2023</a:t>
             </a:fld>
             <a:endParaRPr lang="pt-BR"/>
           </a:p>
@@ -667,7 +671,7 @@
           <a:p>
             <a:fld id="{37B2672B-9859-4F38-AC3A-1FB9C2FC9E87}" type="datetimeFigureOut">
               <a:rPr lang="pt-BR" smtClean="0"/>
-              <a:t>13/02/2023</a:t>
+              <a:t>14/02/2023</a:t>
             </a:fld>
             <a:endParaRPr lang="pt-BR"/>
           </a:p>
@@ -865,7 +869,7 @@
           <a:p>
             <a:fld id="{37B2672B-9859-4F38-AC3A-1FB9C2FC9E87}" type="datetimeFigureOut">
               <a:rPr lang="pt-BR" smtClean="0"/>
-              <a:t>13/02/2023</a:t>
+              <a:t>14/02/2023</a:t>
             </a:fld>
             <a:endParaRPr lang="pt-BR"/>
           </a:p>
@@ -1140,7 +1144,7 @@
           <a:p>
             <a:fld id="{37B2672B-9859-4F38-AC3A-1FB9C2FC9E87}" type="datetimeFigureOut">
               <a:rPr lang="pt-BR" smtClean="0"/>
-              <a:t>13/02/2023</a:t>
+              <a:t>14/02/2023</a:t>
             </a:fld>
             <a:endParaRPr lang="pt-BR"/>
           </a:p>
@@ -1405,7 +1409,7 @@
           <a:p>
             <a:fld id="{37B2672B-9859-4F38-AC3A-1FB9C2FC9E87}" type="datetimeFigureOut">
               <a:rPr lang="pt-BR" smtClean="0"/>
-              <a:t>13/02/2023</a:t>
+              <a:t>14/02/2023</a:t>
             </a:fld>
             <a:endParaRPr lang="pt-BR"/>
           </a:p>
@@ -1817,7 +1821,7 @@
           <a:p>
             <a:fld id="{37B2672B-9859-4F38-AC3A-1FB9C2FC9E87}" type="datetimeFigureOut">
               <a:rPr lang="pt-BR" smtClean="0"/>
-              <a:t>13/02/2023</a:t>
+              <a:t>14/02/2023</a:t>
             </a:fld>
             <a:endParaRPr lang="pt-BR"/>
           </a:p>
@@ -1958,7 +1962,7 @@
           <a:p>
             <a:fld id="{37B2672B-9859-4F38-AC3A-1FB9C2FC9E87}" type="datetimeFigureOut">
               <a:rPr lang="pt-BR" smtClean="0"/>
-              <a:t>13/02/2023</a:t>
+              <a:t>14/02/2023</a:t>
             </a:fld>
             <a:endParaRPr lang="pt-BR"/>
           </a:p>
@@ -2071,7 +2075,7 @@
           <a:p>
             <a:fld id="{37B2672B-9859-4F38-AC3A-1FB9C2FC9E87}" type="datetimeFigureOut">
               <a:rPr lang="pt-BR" smtClean="0"/>
-              <a:t>13/02/2023</a:t>
+              <a:t>14/02/2023</a:t>
             </a:fld>
             <a:endParaRPr lang="pt-BR"/>
           </a:p>
@@ -2382,7 +2386,7 @@
           <a:p>
             <a:fld id="{37B2672B-9859-4F38-AC3A-1FB9C2FC9E87}" type="datetimeFigureOut">
               <a:rPr lang="pt-BR" smtClean="0"/>
-              <a:t>13/02/2023</a:t>
+              <a:t>14/02/2023</a:t>
             </a:fld>
             <a:endParaRPr lang="pt-BR"/>
           </a:p>
@@ -2670,7 +2674,7 @@
           <a:p>
             <a:fld id="{37B2672B-9859-4F38-AC3A-1FB9C2FC9E87}" type="datetimeFigureOut">
               <a:rPr lang="pt-BR" smtClean="0"/>
-              <a:t>13/02/2023</a:t>
+              <a:t>14/02/2023</a:t>
             </a:fld>
             <a:endParaRPr lang="pt-BR"/>
           </a:p>
@@ -2911,7 +2915,7 @@
           <a:p>
             <a:fld id="{37B2672B-9859-4F38-AC3A-1FB9C2FC9E87}" type="datetimeFigureOut">
               <a:rPr lang="pt-BR" smtClean="0"/>
-              <a:t>13/02/2023</a:t>
+              <a:t>14/02/2023</a:t>
             </a:fld>
             <a:endParaRPr lang="pt-BR"/>
           </a:p>
@@ -3831,89 +3835,6 @@
           <p:cNvPr id="2" name="Título 1">
             <a:extLst>
               <a:ext uri="{FF2B5EF4-FFF2-40B4-BE49-F238E27FC236}">
-                <a16:creationId xmlns:a16="http://schemas.microsoft.com/office/drawing/2014/main" id="{2715A5CD-11FC-9264-C727-7A566DFC8E2A}"/>
-              </a:ext>
-            </a:extLst>
-          </p:cNvPr>
-          <p:cNvSpPr>
-            <a:spLocks noGrp="1"/>
-          </p:cNvSpPr>
-          <p:nvPr>
-            <p:ph type="title"/>
-          </p:nvPr>
-        </p:nvSpPr>
-        <p:spPr/>
-        <p:txBody>
-          <a:bodyPr/>
-          <a:lstStyle/>
-          <a:p>
-            <a:r>
-              <a:rPr lang="pt-BR" dirty="0"/>
-              <a:t>SUAS OBRAS NO MERCADO ATUAL</a:t>
-            </a:r>
-          </a:p>
-        </p:txBody>
-      </p:sp>
-      <p:sp>
-        <p:nvSpPr>
-          <p:cNvPr id="3" name="Espaço Reservado para Conteúdo 2">
-            <a:extLst>
-              <a:ext uri="{FF2B5EF4-FFF2-40B4-BE49-F238E27FC236}">
-                <a16:creationId xmlns:a16="http://schemas.microsoft.com/office/drawing/2014/main" id="{2626C6B9-A784-6760-7ECE-A38D9F4DB11F}"/>
-              </a:ext>
-            </a:extLst>
-          </p:cNvPr>
-          <p:cNvSpPr>
-            <a:spLocks noGrp="1"/>
-          </p:cNvSpPr>
-          <p:nvPr>
-            <p:ph idx="1"/>
-          </p:nvPr>
-        </p:nvSpPr>
-        <p:spPr/>
-        <p:txBody>
-          <a:bodyPr/>
-          <a:lstStyle/>
-          <a:p>
-            <a:endParaRPr lang="pt-BR"/>
-          </a:p>
-        </p:txBody>
-      </p:sp>
-    </p:spTree>
-    <p:extLst>
-      <p:ext uri="{BB962C8B-B14F-4D97-AF65-F5344CB8AC3E}">
-        <p14:creationId xmlns:p14="http://schemas.microsoft.com/office/powerpoint/2010/main" val="75936931"/>
-      </p:ext>
-    </p:extLst>
-  </p:cSld>
-  <p:clrMapOvr>
-    <a:masterClrMapping/>
-  </p:clrMapOvr>
-</p:sld>
-</file>
-
-<file path=ppt/slides/slide8.xml><?xml version="1.0" encoding="utf-8"?>
-<p:sld xmlns:a="http://schemas.openxmlformats.org/drawingml/2006/main" xmlns:r="http://schemas.openxmlformats.org/officeDocument/2006/relationships" xmlns:p="http://schemas.openxmlformats.org/presentationml/2006/main">
-  <p:cSld>
-    <p:spTree>
-      <p:nvGrpSpPr>
-        <p:cNvPr id="1" name=""/>
-        <p:cNvGrpSpPr/>
-        <p:nvPr/>
-      </p:nvGrpSpPr>
-      <p:grpSpPr>
-        <a:xfrm>
-          <a:off x="0" y="0"/>
-          <a:ext cx="0" cy="0"/>
-          <a:chOff x="0" y="0"/>
-          <a:chExt cx="0" cy="0"/>
-        </a:xfrm>
-      </p:grpSpPr>
-      <p:sp>
-        <p:nvSpPr>
-          <p:cNvPr id="2" name="Título 1">
-            <a:extLst>
-              <a:ext uri="{FF2B5EF4-FFF2-40B4-BE49-F238E27FC236}">
                 <a16:creationId xmlns:a16="http://schemas.microsoft.com/office/drawing/2014/main" id="{851E18FA-240F-53D9-C15D-7EBDAC157990}"/>
               </a:ext>
             </a:extLst>

--- a/2 etim ds 2022/História/Giovanni Boccaccio/GIOVANNI BOCCACCIO.pptx
+++ b/2 etim ds 2022/História/Giovanni Boccaccio/GIOVANNI BOCCACCIO.pptx
@@ -336,6 +336,18 @@
   <p:clrMapOvr>
     <a:masterClrMapping/>
   </p:clrMapOvr>
+  <mc:AlternateContent xmlns:mc="http://schemas.openxmlformats.org/markup-compatibility/2006">
+    <mc:Choice xmlns:p14="http://schemas.microsoft.com/office/powerpoint/2010/main" Requires="p14">
+      <p:transition spd="slow" p14:dur="1500">
+        <p:cover/>
+      </p:transition>
+    </mc:Choice>
+    <mc:Fallback>
+      <p:transition spd="slow">
+        <p:cover/>
+      </p:transition>
+    </mc:Fallback>
+  </mc:AlternateContent>
 </p:sldLayout>
 </file>
 
@@ -534,6 +546,18 @@
   <p:clrMapOvr>
     <a:masterClrMapping/>
   </p:clrMapOvr>
+  <mc:AlternateContent xmlns:mc="http://schemas.openxmlformats.org/markup-compatibility/2006">
+    <mc:Choice xmlns:p14="http://schemas.microsoft.com/office/powerpoint/2010/main" Requires="p14">
+      <p:transition spd="slow" p14:dur="1500">
+        <p:cover/>
+      </p:transition>
+    </mc:Choice>
+    <mc:Fallback>
+      <p:transition spd="slow">
+        <p:cover/>
+      </p:transition>
+    </mc:Fallback>
+  </mc:AlternateContent>
 </p:sldLayout>
 </file>
 
@@ -742,6 +766,18 @@
   <p:clrMapOvr>
     <a:masterClrMapping/>
   </p:clrMapOvr>
+  <mc:AlternateContent xmlns:mc="http://schemas.openxmlformats.org/markup-compatibility/2006">
+    <mc:Choice xmlns:p14="http://schemas.microsoft.com/office/powerpoint/2010/main" Requires="p14">
+      <p:transition spd="slow" p14:dur="1500">
+        <p:cover/>
+      </p:transition>
+    </mc:Choice>
+    <mc:Fallback>
+      <p:transition spd="slow">
+        <p:cover/>
+      </p:transition>
+    </mc:Fallback>
+  </mc:AlternateContent>
 </p:sldLayout>
 </file>
 
@@ -940,6 +976,18 @@
   <p:clrMapOvr>
     <a:masterClrMapping/>
   </p:clrMapOvr>
+  <mc:AlternateContent xmlns:mc="http://schemas.openxmlformats.org/markup-compatibility/2006">
+    <mc:Choice xmlns:p14="http://schemas.microsoft.com/office/powerpoint/2010/main" Requires="p14">
+      <p:transition spd="slow" p14:dur="1500">
+        <p:cover/>
+      </p:transition>
+    </mc:Choice>
+    <mc:Fallback>
+      <p:transition spd="slow">
+        <p:cover/>
+      </p:transition>
+    </mc:Fallback>
+  </mc:AlternateContent>
 </p:sldLayout>
 </file>
 
@@ -1215,6 +1263,18 @@
   <p:clrMapOvr>
     <a:masterClrMapping/>
   </p:clrMapOvr>
+  <mc:AlternateContent xmlns:mc="http://schemas.openxmlformats.org/markup-compatibility/2006">
+    <mc:Choice xmlns:p14="http://schemas.microsoft.com/office/powerpoint/2010/main" Requires="p14">
+      <p:transition spd="slow" p14:dur="1500">
+        <p:cover/>
+      </p:transition>
+    </mc:Choice>
+    <mc:Fallback>
+      <p:transition spd="slow">
+        <p:cover/>
+      </p:transition>
+    </mc:Fallback>
+  </mc:AlternateContent>
 </p:sldLayout>
 </file>
 
@@ -1480,6 +1540,18 @@
   <p:clrMapOvr>
     <a:masterClrMapping/>
   </p:clrMapOvr>
+  <mc:AlternateContent xmlns:mc="http://schemas.openxmlformats.org/markup-compatibility/2006">
+    <mc:Choice xmlns:p14="http://schemas.microsoft.com/office/powerpoint/2010/main" Requires="p14">
+      <p:transition spd="slow" p14:dur="1500">
+        <p:cover/>
+      </p:transition>
+    </mc:Choice>
+    <mc:Fallback>
+      <p:transition spd="slow">
+        <p:cover/>
+      </p:transition>
+    </mc:Fallback>
+  </mc:AlternateContent>
 </p:sldLayout>
 </file>
 
@@ -1892,6 +1964,18 @@
   <p:clrMapOvr>
     <a:masterClrMapping/>
   </p:clrMapOvr>
+  <mc:AlternateContent xmlns:mc="http://schemas.openxmlformats.org/markup-compatibility/2006">
+    <mc:Choice xmlns:p14="http://schemas.microsoft.com/office/powerpoint/2010/main" Requires="p14">
+      <p:transition spd="slow" p14:dur="1500">
+        <p:cover/>
+      </p:transition>
+    </mc:Choice>
+    <mc:Fallback>
+      <p:transition spd="slow">
+        <p:cover/>
+      </p:transition>
+    </mc:Fallback>
+  </mc:AlternateContent>
 </p:sldLayout>
 </file>
 
@@ -2033,6 +2117,18 @@
   <p:clrMapOvr>
     <a:masterClrMapping/>
   </p:clrMapOvr>
+  <mc:AlternateContent xmlns:mc="http://schemas.openxmlformats.org/markup-compatibility/2006">
+    <mc:Choice xmlns:p14="http://schemas.microsoft.com/office/powerpoint/2010/main" Requires="p14">
+      <p:transition spd="slow" p14:dur="1500">
+        <p:cover/>
+      </p:transition>
+    </mc:Choice>
+    <mc:Fallback>
+      <p:transition spd="slow">
+        <p:cover/>
+      </p:transition>
+    </mc:Fallback>
+  </mc:AlternateContent>
 </p:sldLayout>
 </file>
 
@@ -2146,6 +2242,18 @@
   <p:clrMapOvr>
     <a:masterClrMapping/>
   </p:clrMapOvr>
+  <mc:AlternateContent xmlns:mc="http://schemas.openxmlformats.org/markup-compatibility/2006">
+    <mc:Choice xmlns:p14="http://schemas.microsoft.com/office/powerpoint/2010/main" Requires="p14">
+      <p:transition spd="slow" p14:dur="1500">
+        <p:cover/>
+      </p:transition>
+    </mc:Choice>
+    <mc:Fallback>
+      <p:transition spd="slow">
+        <p:cover/>
+      </p:transition>
+    </mc:Fallback>
+  </mc:AlternateContent>
 </p:sldLayout>
 </file>
 
@@ -2457,6 +2565,18 @@
   <p:clrMapOvr>
     <a:masterClrMapping/>
   </p:clrMapOvr>
+  <mc:AlternateContent xmlns:mc="http://schemas.openxmlformats.org/markup-compatibility/2006">
+    <mc:Choice xmlns:p14="http://schemas.microsoft.com/office/powerpoint/2010/main" Requires="p14">
+      <p:transition spd="slow" p14:dur="1500">
+        <p:cover/>
+      </p:transition>
+    </mc:Choice>
+    <mc:Fallback>
+      <p:transition spd="slow">
+        <p:cover/>
+      </p:transition>
+    </mc:Fallback>
+  </mc:AlternateContent>
 </p:sldLayout>
 </file>
 
@@ -2745,6 +2865,18 @@
   <p:clrMapOvr>
     <a:masterClrMapping/>
   </p:clrMapOvr>
+  <mc:AlternateContent xmlns:mc="http://schemas.openxmlformats.org/markup-compatibility/2006">
+    <mc:Choice xmlns:p14="http://schemas.microsoft.com/office/powerpoint/2010/main" Requires="p14">
+      <p:transition spd="slow" p14:dur="1500">
+        <p:cover/>
+      </p:transition>
+    </mc:Choice>
+    <mc:Fallback>
+      <p:transition spd="slow">
+        <p:cover/>
+      </p:transition>
+    </mc:Fallback>
+  </mc:AlternateContent>
 </p:sldLayout>
 </file>
 
@@ -3033,6 +3165,18 @@
     <p:sldLayoutId id="2147483658" r:id="rId10"/>
     <p:sldLayoutId id="2147483659" r:id="rId11"/>
   </p:sldLayoutIdLst>
+  <mc:AlternateContent xmlns:mc="http://schemas.openxmlformats.org/markup-compatibility/2006">
+    <mc:Choice xmlns:p14="http://schemas.microsoft.com/office/powerpoint/2010/main" Requires="p14">
+      <p:transition spd="slow" p14:dur="1500">
+        <p:cover/>
+      </p:transition>
+    </mc:Choice>
+    <mc:Fallback>
+      <p:transition spd="slow">
+        <p:cover/>
+      </p:transition>
+    </mc:Fallback>
+  </mc:AlternateContent>
   <p:txStyles>
     <p:titleStyle>
       <a:lvl1pPr algn="l" defTabSz="914400" rtl="0" eaLnBrk="1" latinLnBrk="0" hangingPunct="1">
@@ -3538,6 +3682,14 @@
   <p:clrMapOvr>
     <a:overrideClrMapping bg1="dk1" tx1="lt1" bg2="dk2" tx2="lt2" accent1="accent1" accent2="accent2" accent3="accent3" accent4="accent4" accent5="accent5" accent6="accent6" hlink="hlink" folHlink="folHlink"/>
   </p:clrMapOvr>
+  <mc:AlternateContent xmlns:mc="http://schemas.openxmlformats.org/markup-compatibility/2006">
+    <mc:Choice xmlns:p14="http://schemas.microsoft.com/office/powerpoint/2010/main" Requires="p14">
+      <p:transition p14:dur="0"/>
+    </mc:Choice>
+    <mc:Fallback>
+      <p:transition/>
+    </mc:Fallback>
+  </mc:AlternateContent>
 </p:sld>
 </file>
 
@@ -4068,6 +4220,18 @@
   <p:clrMapOvr>
     <a:overrideClrMapping bg1="dk1" tx1="lt1" bg2="dk2" tx2="lt2" accent1="accent1" accent2="accent2" accent3="accent3" accent4="accent4" accent5="accent5" accent6="accent6" hlink="hlink" folHlink="folHlink"/>
   </p:clrMapOvr>
+  <mc:AlternateContent xmlns:mc="http://schemas.openxmlformats.org/markup-compatibility/2006">
+    <mc:Choice xmlns:p14="http://schemas.microsoft.com/office/powerpoint/2010/main" Requires="p14">
+      <p:transition spd="slow" p14:dur="1500">
+        <p:cover/>
+      </p:transition>
+    </mc:Choice>
+    <mc:Fallback>
+      <p:transition spd="slow">
+        <p:cover/>
+      </p:transition>
+    </mc:Fallback>
+  </mc:AlternateContent>
 </p:sld>
 </file>
 
@@ -4403,6 +4567,18 @@
   <p:clrMapOvr>
     <a:masterClrMapping/>
   </p:clrMapOvr>
+  <mc:AlternateContent xmlns:mc="http://schemas.openxmlformats.org/markup-compatibility/2006">
+    <mc:Choice xmlns:p14="http://schemas.microsoft.com/office/powerpoint/2010/main" Requires="p14">
+      <p:transition spd="slow" p14:dur="1500">
+        <p:cover/>
+      </p:transition>
+    </mc:Choice>
+    <mc:Fallback>
+      <p:transition spd="slow">
+        <p:cover/>
+      </p:transition>
+    </mc:Fallback>
+  </mc:AlternateContent>
 </p:sld>
 </file>
 
@@ -10549,6 +10725,18 @@
   <p:clrMapOvr>
     <a:masterClrMapping/>
   </p:clrMapOvr>
+  <mc:AlternateContent xmlns:mc="http://schemas.openxmlformats.org/markup-compatibility/2006">
+    <mc:Choice xmlns:p14="http://schemas.microsoft.com/office/powerpoint/2010/main" Requires="p14">
+      <p:transition spd="slow" p14:dur="1500">
+        <p:cover/>
+      </p:transition>
+    </mc:Choice>
+    <mc:Fallback>
+      <p:transition spd="slow">
+        <p:cover/>
+      </p:transition>
+    </mc:Fallback>
+  </mc:AlternateContent>
 </p:sld>
 </file>
 
@@ -10835,6 +11023,18 @@
   <p:clrMapOvr>
     <a:overrideClrMapping bg1="dk1" tx1="lt1" bg2="dk2" tx2="lt2" accent1="accent1" accent2="accent2" accent3="accent3" accent4="accent4" accent5="accent5" accent6="accent6" hlink="hlink" folHlink="folHlink"/>
   </p:clrMapOvr>
+  <mc:AlternateContent xmlns:mc="http://schemas.openxmlformats.org/markup-compatibility/2006">
+    <mc:Choice xmlns:p14="http://schemas.microsoft.com/office/powerpoint/2010/main" Requires="p14">
+      <p:transition spd="slow" p14:dur="1500">
+        <p:cover/>
+      </p:transition>
+    </mc:Choice>
+    <mc:Fallback>
+      <p:transition spd="slow">
+        <p:cover/>
+      </p:transition>
+    </mc:Fallback>
+  </mc:AlternateContent>
 </p:sld>
 </file>
 
@@ -23738,6 +23938,18 @@
   <p:clrMapOvr>
     <a:masterClrMapping/>
   </p:clrMapOvr>
+  <mc:AlternateContent xmlns:mc="http://schemas.openxmlformats.org/markup-compatibility/2006">
+    <mc:Choice xmlns:p14="http://schemas.microsoft.com/office/powerpoint/2010/main" Requires="p14">
+      <p:transition spd="slow" p14:dur="1500">
+        <p:cover/>
+      </p:transition>
+    </mc:Choice>
+    <mc:Fallback>
+      <p:transition spd="slow">
+        <p:cover/>
+      </p:transition>
+    </mc:Fallback>
+  </mc:AlternateContent>
 </p:sld>
 </file>
 
@@ -24097,6 +24309,18 @@
   <p:clrMapOvr>
     <a:masterClrMapping/>
   </p:clrMapOvr>
+  <mc:AlternateContent xmlns:mc="http://schemas.openxmlformats.org/markup-compatibility/2006">
+    <mc:Choice xmlns:p14="http://schemas.microsoft.com/office/powerpoint/2010/main" Requires="p14">
+      <p:transition spd="slow" p14:dur="1500">
+        <p:cover/>
+      </p:transition>
+    </mc:Choice>
+    <mc:Fallback>
+      <p:transition spd="slow">
+        <p:cover/>
+      </p:transition>
+    </mc:Fallback>
+  </mc:AlternateContent>
 </p:sld>
 </file>
 
@@ -33247,6 +33471,18 @@
   <p:clrMapOvr>
     <a:overrideClrMapping bg1="dk1" tx1="lt1" bg2="dk2" tx2="lt2" accent1="accent1" accent2="accent2" accent3="accent3" accent4="accent4" accent5="accent5" accent6="accent6" hlink="hlink" folHlink="folHlink"/>
   </p:clrMapOvr>
+  <mc:AlternateContent xmlns:mc="http://schemas.openxmlformats.org/markup-compatibility/2006">
+    <mc:Choice xmlns:p14="http://schemas.microsoft.com/office/powerpoint/2010/main" Requires="p14">
+      <p:transition spd="slow" p14:dur="1500">
+        <p:cover/>
+      </p:transition>
+    </mc:Choice>
+    <mc:Fallback>
+      <p:transition spd="slow">
+        <p:cover/>
+      </p:transition>
+    </mc:Fallback>
+  </mc:AlternateContent>
 </p:sld>
 </file>
 
